--- a/ppt 16-9/0584.亲爱救主.pptx
+++ b/ppt 16-9/0584.亲爱救主.pptx
@@ -5,7 +5,7 @@
     <p:sldMasterId id="2147483648" r:id="rId1"/>
   </p:sldMasterIdLst>
   <p:sldIdLst>
-    <p:sldId id="2350" r:id="rId2"/>
+    <p:sldId id="2352" r:id="rId2"/>
   </p:sldIdLst>
   <p:sldSz cx="12192000" cy="6858000"/>
   <p:notesSz cx="6858000" cy="9144000"/>
@@ -129,7 +129,7 @@
           <p:cNvPr id="2" name="标题 1">
             <a:extLst>
               <a:ext uri="{FF2B5EF4-FFF2-40B4-BE49-F238E27FC236}">
-                <a16:creationId xmlns:a16="http://schemas.microsoft.com/office/drawing/2014/main" id="{7AF16D06-7EFF-952F-653B-CCC738363CD3}"/>
+                <a16:creationId xmlns:a16="http://schemas.microsoft.com/office/drawing/2014/main" id="{AA3C7321-2C2D-B58B-C115-372E70B9A291}"/>
               </a:ext>
             </a:extLst>
           </p:cNvPr>
@@ -166,7 +166,7 @@
           <p:cNvPr id="3" name="副标题 2">
             <a:extLst>
               <a:ext uri="{FF2B5EF4-FFF2-40B4-BE49-F238E27FC236}">
-                <a16:creationId xmlns:a16="http://schemas.microsoft.com/office/drawing/2014/main" id="{A2073A90-FAFF-4BF4-3F28-6F58FE046ACF}"/>
+                <a16:creationId xmlns:a16="http://schemas.microsoft.com/office/drawing/2014/main" id="{F4EA845B-9A77-A48D-1F9A-F7334AFAEAF3}"/>
               </a:ext>
             </a:extLst>
           </p:cNvPr>
@@ -236,7 +236,7 @@
           <p:cNvPr id="4" name="日期占位符 3">
             <a:extLst>
               <a:ext uri="{FF2B5EF4-FFF2-40B4-BE49-F238E27FC236}">
-                <a16:creationId xmlns:a16="http://schemas.microsoft.com/office/drawing/2014/main" id="{1B2ED42F-C74A-879A-EEF7-8BF901E30637}"/>
+                <a16:creationId xmlns:a16="http://schemas.microsoft.com/office/drawing/2014/main" id="{2FDC87E6-701C-0438-A89F-35BF84BA5458}"/>
               </a:ext>
             </a:extLst>
           </p:cNvPr>
@@ -252,7 +252,7 @@
           <a:bodyPr/>
           <a:lstStyle/>
           <a:p>
-            <a:fld id="{0502FC96-27A2-4D4A-A4AA-4EE076BF4D5A}" type="datetimeFigureOut">
+            <a:fld id="{E2F9DDA8-8201-455F-91FB-4560D2E6C62E}" type="datetimeFigureOut">
               <a:rPr lang="zh-CN" altLang="en-US" smtClean="0"/>
               <a:t>2024/3/10</a:t>
             </a:fld>
@@ -265,7 +265,7 @@
           <p:cNvPr id="5" name="页脚占位符 4">
             <a:extLst>
               <a:ext uri="{FF2B5EF4-FFF2-40B4-BE49-F238E27FC236}">
-                <a16:creationId xmlns:a16="http://schemas.microsoft.com/office/drawing/2014/main" id="{73A9E481-BEA4-D121-6B9F-0FC8189C9ADD}"/>
+                <a16:creationId xmlns:a16="http://schemas.microsoft.com/office/drawing/2014/main" id="{9DEF11E9-695B-C4BF-D9D0-731405EF915B}"/>
               </a:ext>
             </a:extLst>
           </p:cNvPr>
@@ -290,7 +290,7 @@
           <p:cNvPr id="6" name="灯片编号占位符 5">
             <a:extLst>
               <a:ext uri="{FF2B5EF4-FFF2-40B4-BE49-F238E27FC236}">
-                <a16:creationId xmlns:a16="http://schemas.microsoft.com/office/drawing/2014/main" id="{08646AF0-C6C4-6A65-0762-DA7935A3398E}"/>
+                <a16:creationId xmlns:a16="http://schemas.microsoft.com/office/drawing/2014/main" id="{4600C5F3-A7A9-4472-157B-CD0AA1475AED}"/>
               </a:ext>
             </a:extLst>
           </p:cNvPr>
@@ -306,7 +306,7 @@
           <a:bodyPr/>
           <a:lstStyle/>
           <a:p>
-            <a:fld id="{C6091F53-33E2-431D-8936-714724913A00}" type="slidenum">
+            <a:fld id="{9564275A-3FA1-43A6-A49A-2F664DF76C67}" type="slidenum">
               <a:rPr lang="zh-CN" altLang="en-US" smtClean="0"/>
               <a:t>‹#›</a:t>
             </a:fld>
@@ -317,7 +317,7 @@
     </p:spTree>
     <p:extLst>
       <p:ext uri="{BB962C8B-B14F-4D97-AF65-F5344CB8AC3E}">
-        <p14:creationId xmlns:p14="http://schemas.microsoft.com/office/powerpoint/2010/main" val="3580955288"/>
+        <p14:creationId xmlns:p14="http://schemas.microsoft.com/office/powerpoint/2010/main" val="4010963622"/>
       </p:ext>
     </p:extLst>
   </p:cSld>
@@ -349,7 +349,7 @@
           <p:cNvPr id="2" name="标题 1">
             <a:extLst>
               <a:ext uri="{FF2B5EF4-FFF2-40B4-BE49-F238E27FC236}">
-                <a16:creationId xmlns:a16="http://schemas.microsoft.com/office/drawing/2014/main" id="{7E9175DE-333D-102B-714D-1940399D9D05}"/>
+                <a16:creationId xmlns:a16="http://schemas.microsoft.com/office/drawing/2014/main" id="{0500D78C-0051-7162-9284-873DADE1AD41}"/>
               </a:ext>
             </a:extLst>
           </p:cNvPr>
@@ -377,7 +377,7 @@
           <p:cNvPr id="3" name="竖排文字占位符 2">
             <a:extLst>
               <a:ext uri="{FF2B5EF4-FFF2-40B4-BE49-F238E27FC236}">
-                <a16:creationId xmlns:a16="http://schemas.microsoft.com/office/drawing/2014/main" id="{603ECCE0-0211-0FB7-E132-8F9F5DBCF96F}"/>
+                <a16:creationId xmlns:a16="http://schemas.microsoft.com/office/drawing/2014/main" id="{EAF0F3C8-4BEE-0E83-28A6-5AA52A1F30C2}"/>
               </a:ext>
             </a:extLst>
           </p:cNvPr>
@@ -434,7 +434,7 @@
           <p:cNvPr id="4" name="日期占位符 3">
             <a:extLst>
               <a:ext uri="{FF2B5EF4-FFF2-40B4-BE49-F238E27FC236}">
-                <a16:creationId xmlns:a16="http://schemas.microsoft.com/office/drawing/2014/main" id="{ED57A983-32E9-C0D0-C7D1-5B2980D78609}"/>
+                <a16:creationId xmlns:a16="http://schemas.microsoft.com/office/drawing/2014/main" id="{E81A0BD4-84E8-F832-9177-963D21A351B1}"/>
               </a:ext>
             </a:extLst>
           </p:cNvPr>
@@ -450,7 +450,7 @@
           <a:bodyPr/>
           <a:lstStyle/>
           <a:p>
-            <a:fld id="{0502FC96-27A2-4D4A-A4AA-4EE076BF4D5A}" type="datetimeFigureOut">
+            <a:fld id="{E2F9DDA8-8201-455F-91FB-4560D2E6C62E}" type="datetimeFigureOut">
               <a:rPr lang="zh-CN" altLang="en-US" smtClean="0"/>
               <a:t>2024/3/10</a:t>
             </a:fld>
@@ -463,7 +463,7 @@
           <p:cNvPr id="5" name="页脚占位符 4">
             <a:extLst>
               <a:ext uri="{FF2B5EF4-FFF2-40B4-BE49-F238E27FC236}">
-                <a16:creationId xmlns:a16="http://schemas.microsoft.com/office/drawing/2014/main" id="{D4FDB442-52D1-75A0-5518-0DC43C075F78}"/>
+                <a16:creationId xmlns:a16="http://schemas.microsoft.com/office/drawing/2014/main" id="{65CB84C4-8DA3-C4F0-3EF7-EDF7F33BABDD}"/>
               </a:ext>
             </a:extLst>
           </p:cNvPr>
@@ -488,7 +488,7 @@
           <p:cNvPr id="6" name="灯片编号占位符 5">
             <a:extLst>
               <a:ext uri="{FF2B5EF4-FFF2-40B4-BE49-F238E27FC236}">
-                <a16:creationId xmlns:a16="http://schemas.microsoft.com/office/drawing/2014/main" id="{F0EE063C-8545-4C16-22D7-79D72E30F548}"/>
+                <a16:creationId xmlns:a16="http://schemas.microsoft.com/office/drawing/2014/main" id="{0DD8CFF6-DBF5-8B4C-0369-3F8A0E6107F1}"/>
               </a:ext>
             </a:extLst>
           </p:cNvPr>
@@ -504,7 +504,7 @@
           <a:bodyPr/>
           <a:lstStyle/>
           <a:p>
-            <a:fld id="{C6091F53-33E2-431D-8936-714724913A00}" type="slidenum">
+            <a:fld id="{9564275A-3FA1-43A6-A49A-2F664DF76C67}" type="slidenum">
               <a:rPr lang="zh-CN" altLang="en-US" smtClean="0"/>
               <a:t>‹#›</a:t>
             </a:fld>
@@ -515,7 +515,7 @@
     </p:spTree>
     <p:extLst>
       <p:ext uri="{BB962C8B-B14F-4D97-AF65-F5344CB8AC3E}">
-        <p14:creationId xmlns:p14="http://schemas.microsoft.com/office/powerpoint/2010/main" val="3774128775"/>
+        <p14:creationId xmlns:p14="http://schemas.microsoft.com/office/powerpoint/2010/main" val="3863622028"/>
       </p:ext>
     </p:extLst>
   </p:cSld>
@@ -547,7 +547,7 @@
           <p:cNvPr id="2" name="竖排标题 1">
             <a:extLst>
               <a:ext uri="{FF2B5EF4-FFF2-40B4-BE49-F238E27FC236}">
-                <a16:creationId xmlns:a16="http://schemas.microsoft.com/office/drawing/2014/main" id="{58818F5F-7447-8434-222F-B015D27FBF4A}"/>
+                <a16:creationId xmlns:a16="http://schemas.microsoft.com/office/drawing/2014/main" id="{56107178-8BF4-EF06-7252-B09216FF5FD6}"/>
               </a:ext>
             </a:extLst>
           </p:cNvPr>
@@ -580,7 +580,7 @@
           <p:cNvPr id="3" name="竖排文字占位符 2">
             <a:extLst>
               <a:ext uri="{FF2B5EF4-FFF2-40B4-BE49-F238E27FC236}">
-                <a16:creationId xmlns:a16="http://schemas.microsoft.com/office/drawing/2014/main" id="{51CBD7DE-546A-8FBF-85D5-AADD7B566249}"/>
+                <a16:creationId xmlns:a16="http://schemas.microsoft.com/office/drawing/2014/main" id="{E2F88775-1168-9870-5FFA-2CDAD9FC70AD}"/>
               </a:ext>
             </a:extLst>
           </p:cNvPr>
@@ -642,7 +642,7 @@
           <p:cNvPr id="4" name="日期占位符 3">
             <a:extLst>
               <a:ext uri="{FF2B5EF4-FFF2-40B4-BE49-F238E27FC236}">
-                <a16:creationId xmlns:a16="http://schemas.microsoft.com/office/drawing/2014/main" id="{C24BD284-86DB-4814-D9A9-BE5B3FA30890}"/>
+                <a16:creationId xmlns:a16="http://schemas.microsoft.com/office/drawing/2014/main" id="{5EAA7EBB-EA1F-6A38-36D2-CD387545E199}"/>
               </a:ext>
             </a:extLst>
           </p:cNvPr>
@@ -658,7 +658,7 @@
           <a:bodyPr/>
           <a:lstStyle/>
           <a:p>
-            <a:fld id="{0502FC96-27A2-4D4A-A4AA-4EE076BF4D5A}" type="datetimeFigureOut">
+            <a:fld id="{E2F9DDA8-8201-455F-91FB-4560D2E6C62E}" type="datetimeFigureOut">
               <a:rPr lang="zh-CN" altLang="en-US" smtClean="0"/>
               <a:t>2024/3/10</a:t>
             </a:fld>
@@ -671,7 +671,7 @@
           <p:cNvPr id="5" name="页脚占位符 4">
             <a:extLst>
               <a:ext uri="{FF2B5EF4-FFF2-40B4-BE49-F238E27FC236}">
-                <a16:creationId xmlns:a16="http://schemas.microsoft.com/office/drawing/2014/main" id="{17B1194E-1273-4599-166E-DFBDB9E328F3}"/>
+                <a16:creationId xmlns:a16="http://schemas.microsoft.com/office/drawing/2014/main" id="{B19C17F1-AC29-B820-55C5-6D1FD11F8D26}"/>
               </a:ext>
             </a:extLst>
           </p:cNvPr>
@@ -696,7 +696,7 @@
           <p:cNvPr id="6" name="灯片编号占位符 5">
             <a:extLst>
               <a:ext uri="{FF2B5EF4-FFF2-40B4-BE49-F238E27FC236}">
-                <a16:creationId xmlns:a16="http://schemas.microsoft.com/office/drawing/2014/main" id="{330D67FB-ADB7-820D-0664-8CA502110164}"/>
+                <a16:creationId xmlns:a16="http://schemas.microsoft.com/office/drawing/2014/main" id="{28F9FAEC-355E-0128-BB67-8AA8E3E87A1C}"/>
               </a:ext>
             </a:extLst>
           </p:cNvPr>
@@ -712,7 +712,7 @@
           <a:bodyPr/>
           <a:lstStyle/>
           <a:p>
-            <a:fld id="{C6091F53-33E2-431D-8936-714724913A00}" type="slidenum">
+            <a:fld id="{9564275A-3FA1-43A6-A49A-2F664DF76C67}" type="slidenum">
               <a:rPr lang="zh-CN" altLang="en-US" smtClean="0"/>
               <a:t>‹#›</a:t>
             </a:fld>
@@ -723,7 +723,7 @@
     </p:spTree>
     <p:extLst>
       <p:ext uri="{BB962C8B-B14F-4D97-AF65-F5344CB8AC3E}">
-        <p14:creationId xmlns:p14="http://schemas.microsoft.com/office/powerpoint/2010/main" val="3783752471"/>
+        <p14:creationId xmlns:p14="http://schemas.microsoft.com/office/powerpoint/2010/main" val="328045509"/>
       </p:ext>
     </p:extLst>
   </p:cSld>
@@ -755,7 +755,7 @@
           <p:cNvPr id="2" name="标题 1">
             <a:extLst>
               <a:ext uri="{FF2B5EF4-FFF2-40B4-BE49-F238E27FC236}">
-                <a16:creationId xmlns:a16="http://schemas.microsoft.com/office/drawing/2014/main" id="{109B33F6-B9DC-C8CF-1F10-221B53262BA3}"/>
+                <a16:creationId xmlns:a16="http://schemas.microsoft.com/office/drawing/2014/main" id="{ABCAC5CA-D210-31E3-34BC-D304F221F003}"/>
               </a:ext>
             </a:extLst>
           </p:cNvPr>
@@ -783,7 +783,7 @@
           <p:cNvPr id="3" name="内容占位符 2">
             <a:extLst>
               <a:ext uri="{FF2B5EF4-FFF2-40B4-BE49-F238E27FC236}">
-                <a16:creationId xmlns:a16="http://schemas.microsoft.com/office/drawing/2014/main" id="{B5D22E11-81CE-011E-B022-51AB4234171D}"/>
+                <a16:creationId xmlns:a16="http://schemas.microsoft.com/office/drawing/2014/main" id="{0980ACC6-6512-FB4A-5BC5-EA5C307F2859}"/>
               </a:ext>
             </a:extLst>
           </p:cNvPr>
@@ -840,7 +840,7 @@
           <p:cNvPr id="4" name="日期占位符 3">
             <a:extLst>
               <a:ext uri="{FF2B5EF4-FFF2-40B4-BE49-F238E27FC236}">
-                <a16:creationId xmlns:a16="http://schemas.microsoft.com/office/drawing/2014/main" id="{F6B5C085-910F-E217-7670-9F586F5B59A9}"/>
+                <a16:creationId xmlns:a16="http://schemas.microsoft.com/office/drawing/2014/main" id="{086A797F-7EE1-A0D1-DD88-DC672E587E0C}"/>
               </a:ext>
             </a:extLst>
           </p:cNvPr>
@@ -856,7 +856,7 @@
           <a:bodyPr/>
           <a:lstStyle/>
           <a:p>
-            <a:fld id="{0502FC96-27A2-4D4A-A4AA-4EE076BF4D5A}" type="datetimeFigureOut">
+            <a:fld id="{E2F9DDA8-8201-455F-91FB-4560D2E6C62E}" type="datetimeFigureOut">
               <a:rPr lang="zh-CN" altLang="en-US" smtClean="0"/>
               <a:t>2024/3/10</a:t>
             </a:fld>
@@ -869,7 +869,7 @@
           <p:cNvPr id="5" name="页脚占位符 4">
             <a:extLst>
               <a:ext uri="{FF2B5EF4-FFF2-40B4-BE49-F238E27FC236}">
-                <a16:creationId xmlns:a16="http://schemas.microsoft.com/office/drawing/2014/main" id="{450BE5AD-4A66-C81F-D274-3C9BE4D63062}"/>
+                <a16:creationId xmlns:a16="http://schemas.microsoft.com/office/drawing/2014/main" id="{EECD4825-B7CB-EAE7-4F30-0607677909A9}"/>
               </a:ext>
             </a:extLst>
           </p:cNvPr>
@@ -894,7 +894,7 @@
           <p:cNvPr id="6" name="灯片编号占位符 5">
             <a:extLst>
               <a:ext uri="{FF2B5EF4-FFF2-40B4-BE49-F238E27FC236}">
-                <a16:creationId xmlns:a16="http://schemas.microsoft.com/office/drawing/2014/main" id="{2A5E8D0D-3041-F8C2-204A-6A38DC8D7C10}"/>
+                <a16:creationId xmlns:a16="http://schemas.microsoft.com/office/drawing/2014/main" id="{ED3195A2-D25C-5AFC-2445-44ECC5761B62}"/>
               </a:ext>
             </a:extLst>
           </p:cNvPr>
@@ -910,7 +910,7 @@
           <a:bodyPr/>
           <a:lstStyle/>
           <a:p>
-            <a:fld id="{C6091F53-33E2-431D-8936-714724913A00}" type="slidenum">
+            <a:fld id="{9564275A-3FA1-43A6-A49A-2F664DF76C67}" type="slidenum">
               <a:rPr lang="zh-CN" altLang="en-US" smtClean="0"/>
               <a:t>‹#›</a:t>
             </a:fld>
@@ -921,7 +921,7 @@
     </p:spTree>
     <p:extLst>
       <p:ext uri="{BB962C8B-B14F-4D97-AF65-F5344CB8AC3E}">
-        <p14:creationId xmlns:p14="http://schemas.microsoft.com/office/powerpoint/2010/main" val="3125087930"/>
+        <p14:creationId xmlns:p14="http://schemas.microsoft.com/office/powerpoint/2010/main" val="2327661059"/>
       </p:ext>
     </p:extLst>
   </p:cSld>
@@ -953,7 +953,7 @@
           <p:cNvPr id="2" name="标题 1">
             <a:extLst>
               <a:ext uri="{FF2B5EF4-FFF2-40B4-BE49-F238E27FC236}">
-                <a16:creationId xmlns:a16="http://schemas.microsoft.com/office/drawing/2014/main" id="{AD6C5678-50BA-9F25-8861-2C38DA02E865}"/>
+                <a16:creationId xmlns:a16="http://schemas.microsoft.com/office/drawing/2014/main" id="{935EB199-35BE-5C18-DF43-03DF1B349BB3}"/>
               </a:ext>
             </a:extLst>
           </p:cNvPr>
@@ -990,7 +990,7 @@
           <p:cNvPr id="3" name="文本占位符 2">
             <a:extLst>
               <a:ext uri="{FF2B5EF4-FFF2-40B4-BE49-F238E27FC236}">
-                <a16:creationId xmlns:a16="http://schemas.microsoft.com/office/drawing/2014/main" id="{C2D2BC59-7A13-1F50-1C39-ECD7AA3465EB}"/>
+                <a16:creationId xmlns:a16="http://schemas.microsoft.com/office/drawing/2014/main" id="{CAE42A98-112D-2B16-98F8-1C7879FC94E0}"/>
               </a:ext>
             </a:extLst>
           </p:cNvPr>
@@ -1115,7 +1115,7 @@
           <p:cNvPr id="4" name="日期占位符 3">
             <a:extLst>
               <a:ext uri="{FF2B5EF4-FFF2-40B4-BE49-F238E27FC236}">
-                <a16:creationId xmlns:a16="http://schemas.microsoft.com/office/drawing/2014/main" id="{74291AEA-3D64-7B41-2272-7FE734B3C757}"/>
+                <a16:creationId xmlns:a16="http://schemas.microsoft.com/office/drawing/2014/main" id="{EF01CE4C-AF1F-A398-D423-39C79D4CD5D1}"/>
               </a:ext>
             </a:extLst>
           </p:cNvPr>
@@ -1131,7 +1131,7 @@
           <a:bodyPr/>
           <a:lstStyle/>
           <a:p>
-            <a:fld id="{0502FC96-27A2-4D4A-A4AA-4EE076BF4D5A}" type="datetimeFigureOut">
+            <a:fld id="{E2F9DDA8-8201-455F-91FB-4560D2E6C62E}" type="datetimeFigureOut">
               <a:rPr lang="zh-CN" altLang="en-US" smtClean="0"/>
               <a:t>2024/3/10</a:t>
             </a:fld>
@@ -1144,7 +1144,7 @@
           <p:cNvPr id="5" name="页脚占位符 4">
             <a:extLst>
               <a:ext uri="{FF2B5EF4-FFF2-40B4-BE49-F238E27FC236}">
-                <a16:creationId xmlns:a16="http://schemas.microsoft.com/office/drawing/2014/main" id="{E9FB2A6F-A4DE-08B7-388C-0CAD66427141}"/>
+                <a16:creationId xmlns:a16="http://schemas.microsoft.com/office/drawing/2014/main" id="{63E8749E-4F46-D2FF-C596-546F2FA9A2DF}"/>
               </a:ext>
             </a:extLst>
           </p:cNvPr>
@@ -1169,7 +1169,7 @@
           <p:cNvPr id="6" name="灯片编号占位符 5">
             <a:extLst>
               <a:ext uri="{FF2B5EF4-FFF2-40B4-BE49-F238E27FC236}">
-                <a16:creationId xmlns:a16="http://schemas.microsoft.com/office/drawing/2014/main" id="{A79C6349-8D0D-10CB-8D9D-3D556C29010F}"/>
+                <a16:creationId xmlns:a16="http://schemas.microsoft.com/office/drawing/2014/main" id="{9E1AEC58-23E0-2821-833E-E72EE4458FEE}"/>
               </a:ext>
             </a:extLst>
           </p:cNvPr>
@@ -1185,7 +1185,7 @@
           <a:bodyPr/>
           <a:lstStyle/>
           <a:p>
-            <a:fld id="{C6091F53-33E2-431D-8936-714724913A00}" type="slidenum">
+            <a:fld id="{9564275A-3FA1-43A6-A49A-2F664DF76C67}" type="slidenum">
               <a:rPr lang="zh-CN" altLang="en-US" smtClean="0"/>
               <a:t>‹#›</a:t>
             </a:fld>
@@ -1196,7 +1196,7 @@
     </p:spTree>
     <p:extLst>
       <p:ext uri="{BB962C8B-B14F-4D97-AF65-F5344CB8AC3E}">
-        <p14:creationId xmlns:p14="http://schemas.microsoft.com/office/powerpoint/2010/main" val="2375969027"/>
+        <p14:creationId xmlns:p14="http://schemas.microsoft.com/office/powerpoint/2010/main" val="2133186883"/>
       </p:ext>
     </p:extLst>
   </p:cSld>
@@ -1228,7 +1228,7 @@
           <p:cNvPr id="2" name="标题 1">
             <a:extLst>
               <a:ext uri="{FF2B5EF4-FFF2-40B4-BE49-F238E27FC236}">
-                <a16:creationId xmlns:a16="http://schemas.microsoft.com/office/drawing/2014/main" id="{698C4F8C-9E4D-EAC9-27AA-ADEF1FB31911}"/>
+                <a16:creationId xmlns:a16="http://schemas.microsoft.com/office/drawing/2014/main" id="{F0D0DF28-7EA1-EDCD-FB9E-C40D25F60647}"/>
               </a:ext>
             </a:extLst>
           </p:cNvPr>
@@ -1256,7 +1256,7 @@
           <p:cNvPr id="3" name="内容占位符 2">
             <a:extLst>
               <a:ext uri="{FF2B5EF4-FFF2-40B4-BE49-F238E27FC236}">
-                <a16:creationId xmlns:a16="http://schemas.microsoft.com/office/drawing/2014/main" id="{4D395FA0-8C00-0DCA-92D0-D99C0EFEE059}"/>
+                <a16:creationId xmlns:a16="http://schemas.microsoft.com/office/drawing/2014/main" id="{E0EB4ACB-7F76-7844-61F6-1441EC3BE7FE}"/>
               </a:ext>
             </a:extLst>
           </p:cNvPr>
@@ -1318,7 +1318,7 @@
           <p:cNvPr id="4" name="内容占位符 3">
             <a:extLst>
               <a:ext uri="{FF2B5EF4-FFF2-40B4-BE49-F238E27FC236}">
-                <a16:creationId xmlns:a16="http://schemas.microsoft.com/office/drawing/2014/main" id="{769ED51B-A93A-A9DA-BAF9-8847A1B69D28}"/>
+                <a16:creationId xmlns:a16="http://schemas.microsoft.com/office/drawing/2014/main" id="{179EF0AB-0A49-3E2B-A476-E21BE8FE61D8}"/>
               </a:ext>
             </a:extLst>
           </p:cNvPr>
@@ -1380,7 +1380,7 @@
           <p:cNvPr id="5" name="日期占位符 4">
             <a:extLst>
               <a:ext uri="{FF2B5EF4-FFF2-40B4-BE49-F238E27FC236}">
-                <a16:creationId xmlns:a16="http://schemas.microsoft.com/office/drawing/2014/main" id="{D65DCB07-EC69-BE7E-A7DD-A4A42798C36D}"/>
+                <a16:creationId xmlns:a16="http://schemas.microsoft.com/office/drawing/2014/main" id="{E7B00FF8-9A2F-6AE3-FFF0-7965F13CA139}"/>
               </a:ext>
             </a:extLst>
           </p:cNvPr>
@@ -1396,7 +1396,7 @@
           <a:bodyPr/>
           <a:lstStyle/>
           <a:p>
-            <a:fld id="{0502FC96-27A2-4D4A-A4AA-4EE076BF4D5A}" type="datetimeFigureOut">
+            <a:fld id="{E2F9DDA8-8201-455F-91FB-4560D2E6C62E}" type="datetimeFigureOut">
               <a:rPr lang="zh-CN" altLang="en-US" smtClean="0"/>
               <a:t>2024/3/10</a:t>
             </a:fld>
@@ -1409,7 +1409,7 @@
           <p:cNvPr id="6" name="页脚占位符 5">
             <a:extLst>
               <a:ext uri="{FF2B5EF4-FFF2-40B4-BE49-F238E27FC236}">
-                <a16:creationId xmlns:a16="http://schemas.microsoft.com/office/drawing/2014/main" id="{048684EC-DD90-8B9B-0A43-D7719FDDBDDD}"/>
+                <a16:creationId xmlns:a16="http://schemas.microsoft.com/office/drawing/2014/main" id="{630B7769-6479-4EA1-CC9D-ED4CF5CF739B}"/>
               </a:ext>
             </a:extLst>
           </p:cNvPr>
@@ -1434,7 +1434,7 @@
           <p:cNvPr id="7" name="灯片编号占位符 6">
             <a:extLst>
               <a:ext uri="{FF2B5EF4-FFF2-40B4-BE49-F238E27FC236}">
-                <a16:creationId xmlns:a16="http://schemas.microsoft.com/office/drawing/2014/main" id="{4A7B00BC-3C94-B199-FFDD-F5D6CC7652CE}"/>
+                <a16:creationId xmlns:a16="http://schemas.microsoft.com/office/drawing/2014/main" id="{F8B8CF93-0C11-294E-04D2-C8935883A131}"/>
               </a:ext>
             </a:extLst>
           </p:cNvPr>
@@ -1450,7 +1450,7 @@
           <a:bodyPr/>
           <a:lstStyle/>
           <a:p>
-            <a:fld id="{C6091F53-33E2-431D-8936-714724913A00}" type="slidenum">
+            <a:fld id="{9564275A-3FA1-43A6-A49A-2F664DF76C67}" type="slidenum">
               <a:rPr lang="zh-CN" altLang="en-US" smtClean="0"/>
               <a:t>‹#›</a:t>
             </a:fld>
@@ -1461,7 +1461,7 @@
     </p:spTree>
     <p:extLst>
       <p:ext uri="{BB962C8B-B14F-4D97-AF65-F5344CB8AC3E}">
-        <p14:creationId xmlns:p14="http://schemas.microsoft.com/office/powerpoint/2010/main" val="1311976221"/>
+        <p14:creationId xmlns:p14="http://schemas.microsoft.com/office/powerpoint/2010/main" val="1240459903"/>
       </p:ext>
     </p:extLst>
   </p:cSld>
@@ -1493,7 +1493,7 @@
           <p:cNvPr id="2" name="标题 1">
             <a:extLst>
               <a:ext uri="{FF2B5EF4-FFF2-40B4-BE49-F238E27FC236}">
-                <a16:creationId xmlns:a16="http://schemas.microsoft.com/office/drawing/2014/main" id="{A2A0222E-0FE1-68C5-7E0A-2B9FAD6A3DD3}"/>
+                <a16:creationId xmlns:a16="http://schemas.microsoft.com/office/drawing/2014/main" id="{709221AE-4D5E-26D2-9E0B-1C4A6DA59E45}"/>
               </a:ext>
             </a:extLst>
           </p:cNvPr>
@@ -1526,7 +1526,7 @@
           <p:cNvPr id="3" name="文本占位符 2">
             <a:extLst>
               <a:ext uri="{FF2B5EF4-FFF2-40B4-BE49-F238E27FC236}">
-                <a16:creationId xmlns:a16="http://schemas.microsoft.com/office/drawing/2014/main" id="{65C717D4-3446-AC6A-23BA-ECE6452DC56B}"/>
+                <a16:creationId xmlns:a16="http://schemas.microsoft.com/office/drawing/2014/main" id="{7C7D47FE-C24D-AC13-A94B-107401A445B8}"/>
               </a:ext>
             </a:extLst>
           </p:cNvPr>
@@ -1597,7 +1597,7 @@
           <p:cNvPr id="4" name="内容占位符 3">
             <a:extLst>
               <a:ext uri="{FF2B5EF4-FFF2-40B4-BE49-F238E27FC236}">
-                <a16:creationId xmlns:a16="http://schemas.microsoft.com/office/drawing/2014/main" id="{2EC51DF0-80C1-3DAC-B4C5-CEB9D87020AD}"/>
+                <a16:creationId xmlns:a16="http://schemas.microsoft.com/office/drawing/2014/main" id="{26DD7427-4A9D-E81E-7B3F-6468B53DAA8F}"/>
               </a:ext>
             </a:extLst>
           </p:cNvPr>
@@ -1659,7 +1659,7 @@
           <p:cNvPr id="5" name="文本占位符 4">
             <a:extLst>
               <a:ext uri="{FF2B5EF4-FFF2-40B4-BE49-F238E27FC236}">
-                <a16:creationId xmlns:a16="http://schemas.microsoft.com/office/drawing/2014/main" id="{0D6BA51B-7FC9-A4B7-A7EA-F5C413C2965C}"/>
+                <a16:creationId xmlns:a16="http://schemas.microsoft.com/office/drawing/2014/main" id="{07471045-D7E7-9419-51D2-58A3B97DAA9B}"/>
               </a:ext>
             </a:extLst>
           </p:cNvPr>
@@ -1730,7 +1730,7 @@
           <p:cNvPr id="6" name="内容占位符 5">
             <a:extLst>
               <a:ext uri="{FF2B5EF4-FFF2-40B4-BE49-F238E27FC236}">
-                <a16:creationId xmlns:a16="http://schemas.microsoft.com/office/drawing/2014/main" id="{EA42CCA5-E8CC-3469-8B1C-3EF1AAC90EBD}"/>
+                <a16:creationId xmlns:a16="http://schemas.microsoft.com/office/drawing/2014/main" id="{8CA2695D-2BD2-C42A-E551-71DACCC8609C}"/>
               </a:ext>
             </a:extLst>
           </p:cNvPr>
@@ -1792,7 +1792,7 @@
           <p:cNvPr id="7" name="日期占位符 6">
             <a:extLst>
               <a:ext uri="{FF2B5EF4-FFF2-40B4-BE49-F238E27FC236}">
-                <a16:creationId xmlns:a16="http://schemas.microsoft.com/office/drawing/2014/main" id="{EA9A4A9C-CAEC-9CC9-3F32-C1B696EA0695}"/>
+                <a16:creationId xmlns:a16="http://schemas.microsoft.com/office/drawing/2014/main" id="{AD402DCB-063C-4DFF-DC1D-3F0699CCE7F7}"/>
               </a:ext>
             </a:extLst>
           </p:cNvPr>
@@ -1808,7 +1808,7 @@
           <a:bodyPr/>
           <a:lstStyle/>
           <a:p>
-            <a:fld id="{0502FC96-27A2-4D4A-A4AA-4EE076BF4D5A}" type="datetimeFigureOut">
+            <a:fld id="{E2F9DDA8-8201-455F-91FB-4560D2E6C62E}" type="datetimeFigureOut">
               <a:rPr lang="zh-CN" altLang="en-US" smtClean="0"/>
               <a:t>2024/3/10</a:t>
             </a:fld>
@@ -1821,7 +1821,7 @@
           <p:cNvPr id="8" name="页脚占位符 7">
             <a:extLst>
               <a:ext uri="{FF2B5EF4-FFF2-40B4-BE49-F238E27FC236}">
-                <a16:creationId xmlns:a16="http://schemas.microsoft.com/office/drawing/2014/main" id="{16B0875D-00EE-1A1D-1421-DDC890785BD4}"/>
+                <a16:creationId xmlns:a16="http://schemas.microsoft.com/office/drawing/2014/main" id="{929C64C6-7890-2685-ED66-4F10670DF638}"/>
               </a:ext>
             </a:extLst>
           </p:cNvPr>
@@ -1846,7 +1846,7 @@
           <p:cNvPr id="9" name="灯片编号占位符 8">
             <a:extLst>
               <a:ext uri="{FF2B5EF4-FFF2-40B4-BE49-F238E27FC236}">
-                <a16:creationId xmlns:a16="http://schemas.microsoft.com/office/drawing/2014/main" id="{87915636-F732-3268-ED54-F2A11420167D}"/>
+                <a16:creationId xmlns:a16="http://schemas.microsoft.com/office/drawing/2014/main" id="{95E8793B-A9E9-298F-9AE6-AB202983B92A}"/>
               </a:ext>
             </a:extLst>
           </p:cNvPr>
@@ -1862,7 +1862,7 @@
           <a:bodyPr/>
           <a:lstStyle/>
           <a:p>
-            <a:fld id="{C6091F53-33E2-431D-8936-714724913A00}" type="slidenum">
+            <a:fld id="{9564275A-3FA1-43A6-A49A-2F664DF76C67}" type="slidenum">
               <a:rPr lang="zh-CN" altLang="en-US" smtClean="0"/>
               <a:t>‹#›</a:t>
             </a:fld>
@@ -1873,7 +1873,7 @@
     </p:spTree>
     <p:extLst>
       <p:ext uri="{BB962C8B-B14F-4D97-AF65-F5344CB8AC3E}">
-        <p14:creationId xmlns:p14="http://schemas.microsoft.com/office/powerpoint/2010/main" val="2898686663"/>
+        <p14:creationId xmlns:p14="http://schemas.microsoft.com/office/powerpoint/2010/main" val="2134756930"/>
       </p:ext>
     </p:extLst>
   </p:cSld>
@@ -1905,7 +1905,7 @@
           <p:cNvPr id="2" name="标题 1">
             <a:extLst>
               <a:ext uri="{FF2B5EF4-FFF2-40B4-BE49-F238E27FC236}">
-                <a16:creationId xmlns:a16="http://schemas.microsoft.com/office/drawing/2014/main" id="{5EF3280F-84F9-ABE9-1804-88D2E456FA82}"/>
+                <a16:creationId xmlns:a16="http://schemas.microsoft.com/office/drawing/2014/main" id="{A86185AD-706F-1437-C4C9-EF1F5BF71B72}"/>
               </a:ext>
             </a:extLst>
           </p:cNvPr>
@@ -1933,7 +1933,7 @@
           <p:cNvPr id="3" name="日期占位符 2">
             <a:extLst>
               <a:ext uri="{FF2B5EF4-FFF2-40B4-BE49-F238E27FC236}">
-                <a16:creationId xmlns:a16="http://schemas.microsoft.com/office/drawing/2014/main" id="{45BE70FF-7CEB-2A84-7B28-3F0ACE2AF31A}"/>
+                <a16:creationId xmlns:a16="http://schemas.microsoft.com/office/drawing/2014/main" id="{EBF979FA-A6E3-6463-4020-25AC6ABC7AFC}"/>
               </a:ext>
             </a:extLst>
           </p:cNvPr>
@@ -1949,7 +1949,7 @@
           <a:bodyPr/>
           <a:lstStyle/>
           <a:p>
-            <a:fld id="{0502FC96-27A2-4D4A-A4AA-4EE076BF4D5A}" type="datetimeFigureOut">
+            <a:fld id="{E2F9DDA8-8201-455F-91FB-4560D2E6C62E}" type="datetimeFigureOut">
               <a:rPr lang="zh-CN" altLang="en-US" smtClean="0"/>
               <a:t>2024/3/10</a:t>
             </a:fld>
@@ -1962,7 +1962,7 @@
           <p:cNvPr id="4" name="页脚占位符 3">
             <a:extLst>
               <a:ext uri="{FF2B5EF4-FFF2-40B4-BE49-F238E27FC236}">
-                <a16:creationId xmlns:a16="http://schemas.microsoft.com/office/drawing/2014/main" id="{FC55959C-04F4-05B8-1E6D-4A0A594ABF07}"/>
+                <a16:creationId xmlns:a16="http://schemas.microsoft.com/office/drawing/2014/main" id="{2C8BE4E2-3AB0-62BC-25F0-82C7BDDA0120}"/>
               </a:ext>
             </a:extLst>
           </p:cNvPr>
@@ -1987,7 +1987,7 @@
           <p:cNvPr id="5" name="灯片编号占位符 4">
             <a:extLst>
               <a:ext uri="{FF2B5EF4-FFF2-40B4-BE49-F238E27FC236}">
-                <a16:creationId xmlns:a16="http://schemas.microsoft.com/office/drawing/2014/main" id="{5599B154-F66B-E4AD-2565-9FF17B6FC2D9}"/>
+                <a16:creationId xmlns:a16="http://schemas.microsoft.com/office/drawing/2014/main" id="{EBEE45AC-4788-0650-ACE4-AEB734533216}"/>
               </a:ext>
             </a:extLst>
           </p:cNvPr>
@@ -2003,7 +2003,7 @@
           <a:bodyPr/>
           <a:lstStyle/>
           <a:p>
-            <a:fld id="{C6091F53-33E2-431D-8936-714724913A00}" type="slidenum">
+            <a:fld id="{9564275A-3FA1-43A6-A49A-2F664DF76C67}" type="slidenum">
               <a:rPr lang="zh-CN" altLang="en-US" smtClean="0"/>
               <a:t>‹#›</a:t>
             </a:fld>
@@ -2014,7 +2014,7 @@
     </p:spTree>
     <p:extLst>
       <p:ext uri="{BB962C8B-B14F-4D97-AF65-F5344CB8AC3E}">
-        <p14:creationId xmlns:p14="http://schemas.microsoft.com/office/powerpoint/2010/main" val="2813949838"/>
+        <p14:creationId xmlns:p14="http://schemas.microsoft.com/office/powerpoint/2010/main" val="69898404"/>
       </p:ext>
     </p:extLst>
   </p:cSld>
@@ -2046,7 +2046,7 @@
           <p:cNvPr id="2" name="日期占位符 1">
             <a:extLst>
               <a:ext uri="{FF2B5EF4-FFF2-40B4-BE49-F238E27FC236}">
-                <a16:creationId xmlns:a16="http://schemas.microsoft.com/office/drawing/2014/main" id="{A0B42CAD-87BC-544D-A8F7-682A36CE332F}"/>
+                <a16:creationId xmlns:a16="http://schemas.microsoft.com/office/drawing/2014/main" id="{33E35F40-8B43-807B-E657-CA8B34D73FE4}"/>
               </a:ext>
             </a:extLst>
           </p:cNvPr>
@@ -2062,7 +2062,7 @@
           <a:bodyPr/>
           <a:lstStyle/>
           <a:p>
-            <a:fld id="{0502FC96-27A2-4D4A-A4AA-4EE076BF4D5A}" type="datetimeFigureOut">
+            <a:fld id="{E2F9DDA8-8201-455F-91FB-4560D2E6C62E}" type="datetimeFigureOut">
               <a:rPr lang="zh-CN" altLang="en-US" smtClean="0"/>
               <a:t>2024/3/10</a:t>
             </a:fld>
@@ -2075,7 +2075,7 @@
           <p:cNvPr id="3" name="页脚占位符 2">
             <a:extLst>
               <a:ext uri="{FF2B5EF4-FFF2-40B4-BE49-F238E27FC236}">
-                <a16:creationId xmlns:a16="http://schemas.microsoft.com/office/drawing/2014/main" id="{B07F687C-813D-D390-8443-05FBCAAC585E}"/>
+                <a16:creationId xmlns:a16="http://schemas.microsoft.com/office/drawing/2014/main" id="{E6FD2AE2-50E4-D3B6-8297-D4166F8420E6}"/>
               </a:ext>
             </a:extLst>
           </p:cNvPr>
@@ -2100,7 +2100,7 @@
           <p:cNvPr id="4" name="灯片编号占位符 3">
             <a:extLst>
               <a:ext uri="{FF2B5EF4-FFF2-40B4-BE49-F238E27FC236}">
-                <a16:creationId xmlns:a16="http://schemas.microsoft.com/office/drawing/2014/main" id="{F263D3C5-A377-9375-7198-6C06B82DD4AB}"/>
+                <a16:creationId xmlns:a16="http://schemas.microsoft.com/office/drawing/2014/main" id="{CC807EEB-131D-26E0-FD64-D4F3FA885D48}"/>
               </a:ext>
             </a:extLst>
           </p:cNvPr>
@@ -2116,7 +2116,7 @@
           <a:bodyPr/>
           <a:lstStyle/>
           <a:p>
-            <a:fld id="{C6091F53-33E2-431D-8936-714724913A00}" type="slidenum">
+            <a:fld id="{9564275A-3FA1-43A6-A49A-2F664DF76C67}" type="slidenum">
               <a:rPr lang="zh-CN" altLang="en-US" smtClean="0"/>
               <a:t>‹#›</a:t>
             </a:fld>
@@ -2127,7 +2127,7 @@
     </p:spTree>
     <p:extLst>
       <p:ext uri="{BB962C8B-B14F-4D97-AF65-F5344CB8AC3E}">
-        <p14:creationId xmlns:p14="http://schemas.microsoft.com/office/powerpoint/2010/main" val="3891612207"/>
+        <p14:creationId xmlns:p14="http://schemas.microsoft.com/office/powerpoint/2010/main" val="188735668"/>
       </p:ext>
     </p:extLst>
   </p:cSld>
@@ -2159,7 +2159,7 @@
           <p:cNvPr id="2" name="标题 1">
             <a:extLst>
               <a:ext uri="{FF2B5EF4-FFF2-40B4-BE49-F238E27FC236}">
-                <a16:creationId xmlns:a16="http://schemas.microsoft.com/office/drawing/2014/main" id="{52A0C02C-6B20-DFF6-879F-DD05DCA13CA6}"/>
+                <a16:creationId xmlns:a16="http://schemas.microsoft.com/office/drawing/2014/main" id="{1D178244-D52C-584C-19C6-D37727CFCFB6}"/>
               </a:ext>
             </a:extLst>
           </p:cNvPr>
@@ -2196,7 +2196,7 @@
           <p:cNvPr id="3" name="内容占位符 2">
             <a:extLst>
               <a:ext uri="{FF2B5EF4-FFF2-40B4-BE49-F238E27FC236}">
-                <a16:creationId xmlns:a16="http://schemas.microsoft.com/office/drawing/2014/main" id="{599AB632-C252-9FCE-9357-0EDDEACEBC10}"/>
+                <a16:creationId xmlns:a16="http://schemas.microsoft.com/office/drawing/2014/main" id="{BCE306DD-A5ED-77E1-63F8-92352AC2FD92}"/>
               </a:ext>
             </a:extLst>
           </p:cNvPr>
@@ -2286,7 +2286,7 @@
           <p:cNvPr id="4" name="文本占位符 3">
             <a:extLst>
               <a:ext uri="{FF2B5EF4-FFF2-40B4-BE49-F238E27FC236}">
-                <a16:creationId xmlns:a16="http://schemas.microsoft.com/office/drawing/2014/main" id="{02A4D3BB-F3E4-CFC9-2AE4-AF57F3E9B6BB}"/>
+                <a16:creationId xmlns:a16="http://schemas.microsoft.com/office/drawing/2014/main" id="{F8E43C15-58DE-F993-0C86-C5B390D69D5D}"/>
               </a:ext>
             </a:extLst>
           </p:cNvPr>
@@ -2357,7 +2357,7 @@
           <p:cNvPr id="5" name="日期占位符 4">
             <a:extLst>
               <a:ext uri="{FF2B5EF4-FFF2-40B4-BE49-F238E27FC236}">
-                <a16:creationId xmlns:a16="http://schemas.microsoft.com/office/drawing/2014/main" id="{E6A138D3-7305-4162-FC1F-49E83B2BCAF6}"/>
+                <a16:creationId xmlns:a16="http://schemas.microsoft.com/office/drawing/2014/main" id="{6E9ACA03-ABAA-E77A-F04A-3094DE172657}"/>
               </a:ext>
             </a:extLst>
           </p:cNvPr>
@@ -2373,7 +2373,7 @@
           <a:bodyPr/>
           <a:lstStyle/>
           <a:p>
-            <a:fld id="{0502FC96-27A2-4D4A-A4AA-4EE076BF4D5A}" type="datetimeFigureOut">
+            <a:fld id="{E2F9DDA8-8201-455F-91FB-4560D2E6C62E}" type="datetimeFigureOut">
               <a:rPr lang="zh-CN" altLang="en-US" smtClean="0"/>
               <a:t>2024/3/10</a:t>
             </a:fld>
@@ -2386,7 +2386,7 @@
           <p:cNvPr id="6" name="页脚占位符 5">
             <a:extLst>
               <a:ext uri="{FF2B5EF4-FFF2-40B4-BE49-F238E27FC236}">
-                <a16:creationId xmlns:a16="http://schemas.microsoft.com/office/drawing/2014/main" id="{F005134D-49FD-190B-9C1C-69AB2F7AAE91}"/>
+                <a16:creationId xmlns:a16="http://schemas.microsoft.com/office/drawing/2014/main" id="{BF9C8811-2658-D04E-1CB1-F57C60B47960}"/>
               </a:ext>
             </a:extLst>
           </p:cNvPr>
@@ -2411,7 +2411,7 @@
           <p:cNvPr id="7" name="灯片编号占位符 6">
             <a:extLst>
               <a:ext uri="{FF2B5EF4-FFF2-40B4-BE49-F238E27FC236}">
-                <a16:creationId xmlns:a16="http://schemas.microsoft.com/office/drawing/2014/main" id="{D0CB2A27-F297-8AB7-C19A-D58E3B1BFBE0}"/>
+                <a16:creationId xmlns:a16="http://schemas.microsoft.com/office/drawing/2014/main" id="{C8CDAEE7-E56A-7894-11EC-46597230BAD5}"/>
               </a:ext>
             </a:extLst>
           </p:cNvPr>
@@ -2427,7 +2427,7 @@
           <a:bodyPr/>
           <a:lstStyle/>
           <a:p>
-            <a:fld id="{C6091F53-33E2-431D-8936-714724913A00}" type="slidenum">
+            <a:fld id="{9564275A-3FA1-43A6-A49A-2F664DF76C67}" type="slidenum">
               <a:rPr lang="zh-CN" altLang="en-US" smtClean="0"/>
               <a:t>‹#›</a:t>
             </a:fld>
@@ -2438,7 +2438,7 @@
     </p:spTree>
     <p:extLst>
       <p:ext uri="{BB962C8B-B14F-4D97-AF65-F5344CB8AC3E}">
-        <p14:creationId xmlns:p14="http://schemas.microsoft.com/office/powerpoint/2010/main" val="611102812"/>
+        <p14:creationId xmlns:p14="http://schemas.microsoft.com/office/powerpoint/2010/main" val="1175122733"/>
       </p:ext>
     </p:extLst>
   </p:cSld>
@@ -2470,7 +2470,7 @@
           <p:cNvPr id="2" name="标题 1">
             <a:extLst>
               <a:ext uri="{FF2B5EF4-FFF2-40B4-BE49-F238E27FC236}">
-                <a16:creationId xmlns:a16="http://schemas.microsoft.com/office/drawing/2014/main" id="{69561DE5-368F-BE0B-FBCD-0034827EBA88}"/>
+                <a16:creationId xmlns:a16="http://schemas.microsoft.com/office/drawing/2014/main" id="{D446F1EB-7822-3B29-AA18-FB12CEA3D9BC}"/>
               </a:ext>
             </a:extLst>
           </p:cNvPr>
@@ -2507,7 +2507,7 @@
           <p:cNvPr id="3" name="图片占位符 2">
             <a:extLst>
               <a:ext uri="{FF2B5EF4-FFF2-40B4-BE49-F238E27FC236}">
-                <a16:creationId xmlns:a16="http://schemas.microsoft.com/office/drawing/2014/main" id="{4D211C7C-5BC7-C624-0B6A-87E58405D621}"/>
+                <a16:creationId xmlns:a16="http://schemas.microsoft.com/office/drawing/2014/main" id="{90DAFFD7-130C-F259-6CD2-855587CA3A18}"/>
               </a:ext>
             </a:extLst>
           </p:cNvPr>
@@ -2574,7 +2574,7 @@
           <p:cNvPr id="4" name="文本占位符 3">
             <a:extLst>
               <a:ext uri="{FF2B5EF4-FFF2-40B4-BE49-F238E27FC236}">
-                <a16:creationId xmlns:a16="http://schemas.microsoft.com/office/drawing/2014/main" id="{57DAFCF1-8D69-C57E-D19C-479BD80FA901}"/>
+                <a16:creationId xmlns:a16="http://schemas.microsoft.com/office/drawing/2014/main" id="{B8158D19-1DA3-B2C1-A9B2-81C3D37A50FC}"/>
               </a:ext>
             </a:extLst>
           </p:cNvPr>
@@ -2645,7 +2645,7 @@
           <p:cNvPr id="5" name="日期占位符 4">
             <a:extLst>
               <a:ext uri="{FF2B5EF4-FFF2-40B4-BE49-F238E27FC236}">
-                <a16:creationId xmlns:a16="http://schemas.microsoft.com/office/drawing/2014/main" id="{7943B568-2969-A8E4-1B1F-79791C8670FA}"/>
+                <a16:creationId xmlns:a16="http://schemas.microsoft.com/office/drawing/2014/main" id="{CA0B7501-1699-0258-CFF2-5856952A2700}"/>
               </a:ext>
             </a:extLst>
           </p:cNvPr>
@@ -2661,7 +2661,7 @@
           <a:bodyPr/>
           <a:lstStyle/>
           <a:p>
-            <a:fld id="{0502FC96-27A2-4D4A-A4AA-4EE076BF4D5A}" type="datetimeFigureOut">
+            <a:fld id="{E2F9DDA8-8201-455F-91FB-4560D2E6C62E}" type="datetimeFigureOut">
               <a:rPr lang="zh-CN" altLang="en-US" smtClean="0"/>
               <a:t>2024/3/10</a:t>
             </a:fld>
@@ -2674,7 +2674,7 @@
           <p:cNvPr id="6" name="页脚占位符 5">
             <a:extLst>
               <a:ext uri="{FF2B5EF4-FFF2-40B4-BE49-F238E27FC236}">
-                <a16:creationId xmlns:a16="http://schemas.microsoft.com/office/drawing/2014/main" id="{3F8AEDC9-2E16-6929-6553-0F89D63BFDAA}"/>
+                <a16:creationId xmlns:a16="http://schemas.microsoft.com/office/drawing/2014/main" id="{4968B4E6-F7BB-CF78-3BAA-3A53FCA8C883}"/>
               </a:ext>
             </a:extLst>
           </p:cNvPr>
@@ -2699,7 +2699,7 @@
           <p:cNvPr id="7" name="灯片编号占位符 6">
             <a:extLst>
               <a:ext uri="{FF2B5EF4-FFF2-40B4-BE49-F238E27FC236}">
-                <a16:creationId xmlns:a16="http://schemas.microsoft.com/office/drawing/2014/main" id="{131AF34C-913B-0F39-542B-8A3F5D020146}"/>
+                <a16:creationId xmlns:a16="http://schemas.microsoft.com/office/drawing/2014/main" id="{FFFD79CB-1D6D-7D60-FD05-294C6798550D}"/>
               </a:ext>
             </a:extLst>
           </p:cNvPr>
@@ -2715,7 +2715,7 @@
           <a:bodyPr/>
           <a:lstStyle/>
           <a:p>
-            <a:fld id="{C6091F53-33E2-431D-8936-714724913A00}" type="slidenum">
+            <a:fld id="{9564275A-3FA1-43A6-A49A-2F664DF76C67}" type="slidenum">
               <a:rPr lang="zh-CN" altLang="en-US" smtClean="0"/>
               <a:t>‹#›</a:t>
             </a:fld>
@@ -2726,7 +2726,7 @@
     </p:spTree>
     <p:extLst>
       <p:ext uri="{BB962C8B-B14F-4D97-AF65-F5344CB8AC3E}">
-        <p14:creationId xmlns:p14="http://schemas.microsoft.com/office/powerpoint/2010/main" val="1267950412"/>
+        <p14:creationId xmlns:p14="http://schemas.microsoft.com/office/powerpoint/2010/main" val="2629382688"/>
       </p:ext>
     </p:extLst>
   </p:cSld>
@@ -2763,7 +2763,7 @@
           <p:cNvPr id="2" name="标题占位符 1">
             <a:extLst>
               <a:ext uri="{FF2B5EF4-FFF2-40B4-BE49-F238E27FC236}">
-                <a16:creationId xmlns:a16="http://schemas.microsoft.com/office/drawing/2014/main" id="{0063DB43-3DC9-DCBC-C120-EBEB8F05BDDC}"/>
+                <a16:creationId xmlns:a16="http://schemas.microsoft.com/office/drawing/2014/main" id="{64B03F60-D4D9-8464-2CBF-BBFBA0C3C755}"/>
               </a:ext>
             </a:extLst>
           </p:cNvPr>
@@ -2801,7 +2801,7 @@
           <p:cNvPr id="3" name="文本占位符 2">
             <a:extLst>
               <a:ext uri="{FF2B5EF4-FFF2-40B4-BE49-F238E27FC236}">
-                <a16:creationId xmlns:a16="http://schemas.microsoft.com/office/drawing/2014/main" id="{7E2E6F51-B216-7328-4CA2-E1CCEA75C305}"/>
+                <a16:creationId xmlns:a16="http://schemas.microsoft.com/office/drawing/2014/main" id="{384FF6A0-492B-609D-F846-24092452DACE}"/>
               </a:ext>
             </a:extLst>
           </p:cNvPr>
@@ -2868,7 +2868,7 @@
           <p:cNvPr id="4" name="日期占位符 3">
             <a:extLst>
               <a:ext uri="{FF2B5EF4-FFF2-40B4-BE49-F238E27FC236}">
-                <a16:creationId xmlns:a16="http://schemas.microsoft.com/office/drawing/2014/main" id="{ECD3DAC3-F458-3BF8-04A1-5B32ADE4355D}"/>
+                <a16:creationId xmlns:a16="http://schemas.microsoft.com/office/drawing/2014/main" id="{682814EA-9515-7489-105D-55941D36DDD2}"/>
               </a:ext>
             </a:extLst>
           </p:cNvPr>
@@ -2902,7 +2902,7 @@
             </a:lvl1pPr>
           </a:lstStyle>
           <a:p>
-            <a:fld id="{0502FC96-27A2-4D4A-A4AA-4EE076BF4D5A}" type="datetimeFigureOut">
+            <a:fld id="{E2F9DDA8-8201-455F-91FB-4560D2E6C62E}" type="datetimeFigureOut">
               <a:rPr lang="zh-CN" altLang="en-US" smtClean="0"/>
               <a:t>2024/3/10</a:t>
             </a:fld>
@@ -2915,7 +2915,7 @@
           <p:cNvPr id="5" name="页脚占位符 4">
             <a:extLst>
               <a:ext uri="{FF2B5EF4-FFF2-40B4-BE49-F238E27FC236}">
-                <a16:creationId xmlns:a16="http://schemas.microsoft.com/office/drawing/2014/main" id="{689275F2-3179-0F1A-B3C4-B723A6BF4ED9}"/>
+                <a16:creationId xmlns:a16="http://schemas.microsoft.com/office/drawing/2014/main" id="{670A4015-F55F-29A2-4CF5-02A5B4B63DEC}"/>
               </a:ext>
             </a:extLst>
           </p:cNvPr>
@@ -2958,7 +2958,7 @@
           <p:cNvPr id="6" name="灯片编号占位符 5">
             <a:extLst>
               <a:ext uri="{FF2B5EF4-FFF2-40B4-BE49-F238E27FC236}">
-                <a16:creationId xmlns:a16="http://schemas.microsoft.com/office/drawing/2014/main" id="{D1D43D10-134A-2EF5-33E3-EBA1190B9485}"/>
+                <a16:creationId xmlns:a16="http://schemas.microsoft.com/office/drawing/2014/main" id="{24003C67-527A-0791-8727-239FF914F2C7}"/>
               </a:ext>
             </a:extLst>
           </p:cNvPr>
@@ -2992,7 +2992,7 @@
             </a:lvl1pPr>
           </a:lstStyle>
           <a:p>
-            <a:fld id="{C6091F53-33E2-431D-8936-714724913A00}" type="slidenum">
+            <a:fld id="{9564275A-3FA1-43A6-A49A-2F664DF76C67}" type="slidenum">
               <a:rPr lang="zh-CN" altLang="en-US" smtClean="0"/>
               <a:t>‹#›</a:t>
             </a:fld>
@@ -3003,7 +3003,7 @@
     </p:spTree>
     <p:extLst>
       <p:ext uri="{BB962C8B-B14F-4D97-AF65-F5344CB8AC3E}">
-        <p14:creationId xmlns:p14="http://schemas.microsoft.com/office/powerpoint/2010/main" val="1415451678"/>
+        <p14:creationId xmlns:p14="http://schemas.microsoft.com/office/powerpoint/2010/main" val="638520824"/>
       </p:ext>
     </p:extLst>
   </p:cSld>
@@ -3323,7 +3323,7 @@
       </p:grpSpPr>
       <p:pic>
         <p:nvPicPr>
-          <p:cNvPr id="598018" name="Picture 2" descr="583"/>
+          <p:cNvPr id="599042" name="Picture 2" descr="584"/>
           <p:cNvPicPr>
             <a:picLocks noChangeAspect="1" noChangeArrowheads="1"/>
           </p:cNvPicPr>
@@ -3375,11 +3375,158 @@
           </a:extLst>
         </p:spPr>
       </p:pic>
+      <p:pic>
+        <p:nvPicPr>
+          <p:cNvPr id="600067" name="Picture 3" descr="584-2"/>
+          <p:cNvPicPr>
+            <a:picLocks noChangeAspect="1" noChangeArrowheads="1"/>
+          </p:cNvPicPr>
+          <p:nvPr/>
+        </p:nvPicPr>
+        <p:blipFill>
+          <a:blip r:embed="rId3">
+            <a:extLst>
+              <a:ext uri="{28A0092B-C50C-407E-A947-70E740481C1C}">
+                <a14:useLocalDpi xmlns:a14="http://schemas.microsoft.com/office/drawing/2010/main" val="0"/>
+              </a:ext>
+            </a:extLst>
+          </a:blip>
+          <a:srcRect/>
+          <a:stretch>
+            <a:fillRect/>
+          </a:stretch>
+        </p:blipFill>
+        <p:spPr bwMode="auto">
+          <a:xfrm>
+            <a:off x="1524000" y="-12700"/>
+            <a:ext cx="9144000" cy="6843713"/>
+          </a:xfrm>
+          <a:prstGeom prst="rect">
+            <a:avLst/>
+          </a:prstGeom>
+          <a:noFill/>
+          <a:ln>
+            <a:noFill/>
+          </a:ln>
+          <a:effectLst/>
+          <a:extLst>
+            <a:ext uri="{909E8E84-426E-40DD-AFC4-6F175D3DCCD1}">
+              <a14:hiddenFill xmlns:a14="http://schemas.microsoft.com/office/drawing/2010/main">
+                <a:solidFill>
+                  <a:srgbClr val="FFFFFF"/>
+                </a:solidFill>
+              </a14:hiddenFill>
+            </a:ext>
+            <a:ext uri="{91240B29-F687-4F45-9708-019B960494DF}">
+              <a14:hiddenLine xmlns:a14="http://schemas.microsoft.com/office/drawing/2010/main" w="9525">
+                <a:solidFill>
+                  <a:srgbClr val="000000"/>
+                </a:solidFill>
+                <a:miter lim="800000"/>
+                <a:headEnd/>
+                <a:tailEnd/>
+              </a14:hiddenLine>
+            </a:ext>
+            <a:ext uri="{AF507438-7753-43E0-B8FC-AC1667EBCBE1}">
+              <a14:hiddenEffects xmlns:a14="http://schemas.microsoft.com/office/drawing/2010/main">
+                <a:effectLst>
+                  <a:outerShdw dist="35921" dir="2700000" algn="ctr" rotWithShape="0">
+                    <a:srgbClr val="808080"/>
+                  </a:outerShdw>
+                </a:effectLst>
+              </a14:hiddenEffects>
+            </a:ext>
+          </a:extLst>
+        </p:spPr>
+      </p:pic>
     </p:spTree>
   </p:cSld>
   <p:clrMapOvr>
     <a:masterClrMapping/>
   </p:clrMapOvr>
+  <p:timing>
+    <p:tnLst>
+      <p:par>
+        <p:cTn id="1" dur="indefinite" restart="never" nodeType="tmRoot">
+          <p:childTnLst>
+            <p:seq concurrent="1" nextAc="seek">
+              <p:cTn id="2" dur="indefinite" nodeType="mainSeq">
+                <p:childTnLst>
+                  <p:par>
+                    <p:cTn id="3" fill="hold" nodeType="clickPar">
+                      <p:stCondLst>
+                        <p:cond delay="indefinite"/>
+                      </p:stCondLst>
+                      <p:childTnLst>
+                        <p:par>
+                          <p:cTn id="4" fill="hold" nodeType="withGroup">
+                            <p:stCondLst>
+                              <p:cond delay="0"/>
+                            </p:stCondLst>
+                            <p:childTnLst>
+                              <p:par>
+                                <p:cTn id="5" presetID="10" presetClass="entr" presetSubtype="0" fill="hold" nodeType="clickEffect">
+                                  <p:stCondLst>
+                                    <p:cond delay="0"/>
+                                  </p:stCondLst>
+                                  <p:childTnLst>
+                                    <p:set>
+                                      <p:cBhvr>
+                                        <p:cTn id="6" dur="1" fill="hold">
+                                          <p:stCondLst>
+                                            <p:cond delay="0"/>
+                                          </p:stCondLst>
+                                        </p:cTn>
+                                        <p:tgtEl>
+                                          <p:spTgt spid="600067"/>
+                                        </p:tgtEl>
+                                        <p:attrNameLst>
+                                          <p:attrName>style.visibility</p:attrName>
+                                        </p:attrNameLst>
+                                      </p:cBhvr>
+                                      <p:to>
+                                        <p:strVal val="visible"/>
+                                      </p:to>
+                                    </p:set>
+                                    <p:animEffect transition="in" filter="fade">
+                                      <p:cBhvr>
+                                        <p:cTn id="7" dur="500"/>
+                                        <p:tgtEl>
+                                          <p:spTgt spid="600067"/>
+                                        </p:tgtEl>
+                                      </p:cBhvr>
+                                    </p:animEffect>
+                                  </p:childTnLst>
+                                </p:cTn>
+                              </p:par>
+                            </p:childTnLst>
+                          </p:cTn>
+                        </p:par>
+                      </p:childTnLst>
+                    </p:cTn>
+                  </p:par>
+                </p:childTnLst>
+              </p:cTn>
+              <p:prevCondLst>
+                <p:cond evt="onPrev" delay="0">
+                  <p:tgtEl>
+                    <p:sldTgt/>
+                  </p:tgtEl>
+                </p:cond>
+              </p:prevCondLst>
+              <p:nextCondLst>
+                <p:cond evt="onNext" delay="0">
+                  <p:tgtEl>
+                    <p:sldTgt/>
+                  </p:tgtEl>
+                </p:cond>
+              </p:nextCondLst>
+            </p:seq>
+          </p:childTnLst>
+        </p:cTn>
+      </p:par>
+    </p:tnLst>
+  </p:timing>
 </p:sld>
 </file>
 
